--- a/Tecnologia da Informação/PowerPoint.pptx
+++ b/Tecnologia da Informação/PowerPoint.pptx
@@ -114,6 +114,11 @@
       </a:defRPr>
     </a:lvl9pPr>
   </p:defaultTextStyle>
+  <p:extLst>
+    <p:ext uri="{EFAFB233-063F-42B5-8137-9DF3F51BA10A}">
+      <p15:sldGuideLst xmlns:p15="http://schemas.microsoft.com/office/powerpoint/2012/main"/>
+    </p:ext>
+  </p:extLst>
 </p:presentation>
 </file>
 
@@ -130,7 +135,7 @@
   <pc:docChgLst>
     <pc:chgData name="PAULO HENRIQUE BAMBINO ." userId="6b6eeaca-9a58-4a87-aec3-4e5e12571fda" providerId="ADAL" clId="{B4F6F473-2308-4EAF-9095-439D68DD3F33}"/>
     <pc:docChg chg="custSel modSld">
-      <pc:chgData name="PAULO HENRIQUE BAMBINO ." userId="6b6eeaca-9a58-4a87-aec3-4e5e12571fda" providerId="ADAL" clId="{B4F6F473-2308-4EAF-9095-439D68DD3F33}" dt="2025-11-26T05:15:50.129" v="60" actId="14100"/>
+      <pc:chgData name="PAULO HENRIQUE BAMBINO ." userId="6b6eeaca-9a58-4a87-aec3-4e5e12571fda" providerId="ADAL" clId="{B4F6F473-2308-4EAF-9095-439D68DD3F33}" dt="2025-11-26T08:37:58.552" v="610" actId="20577"/>
       <pc:docMkLst>
         <pc:docMk/>
       </pc:docMkLst>
@@ -172,6 +177,21 @@
             <ac:picMk id="17" creationId="{D78BEC2A-E02D-B6AC-FC21-27D6CCCC725F}"/>
           </ac:picMkLst>
         </pc:picChg>
+      </pc:sldChg>
+      <pc:sldChg chg="modSp mod">
+        <pc:chgData name="PAULO HENRIQUE BAMBINO ." userId="6b6eeaca-9a58-4a87-aec3-4e5e12571fda" providerId="ADAL" clId="{B4F6F473-2308-4EAF-9095-439D68DD3F33}" dt="2025-11-26T08:37:58.552" v="610" actId="20577"/>
+        <pc:sldMkLst>
+          <pc:docMk/>
+          <pc:sldMk cId="0" sldId="263"/>
+        </pc:sldMkLst>
+        <pc:spChg chg="mod">
+          <ac:chgData name="PAULO HENRIQUE BAMBINO ." userId="6b6eeaca-9a58-4a87-aec3-4e5e12571fda" providerId="ADAL" clId="{B4F6F473-2308-4EAF-9095-439D68DD3F33}" dt="2025-11-26T08:37:58.552" v="610" actId="20577"/>
+          <ac:spMkLst>
+            <pc:docMk/>
+            <pc:sldMk cId="0" sldId="263"/>
+            <ac:spMk id="75" creationId="{00000000-0000-0000-0000-000000000000}"/>
+          </ac:spMkLst>
+        </pc:spChg>
       </pc:sldChg>
     </pc:docChg>
   </pc:docChgLst>
@@ -8978,221 +8998,763 @@
               </a:tabLst>
             </a:pPr>
             <a:r>
-              <a:rPr lang="en-US" sz="1400" b="0" u="none" strike="noStrike" dirty="0">
-                <a:solidFill>
-                  <a:srgbClr val="FFFFFF"/>
-                </a:solidFill>
-                <a:effectLst/>
-                <a:uFillTx/>
-                <a:latin typeface="OpenSymbol"/>
-              </a:rPr>
-              <a:t>O </a:t>
-            </a:r>
-            <a:r>
-              <a:rPr lang="en-US" sz="1400" b="0" u="none" strike="noStrike" dirty="0" err="1">
-                <a:solidFill>
-                  <a:srgbClr val="FFFFFF"/>
-                </a:solidFill>
-                <a:effectLst/>
-                <a:uFillTx/>
-                <a:latin typeface="OpenSymbol"/>
-              </a:rPr>
-              <a:t>maior</a:t>
-            </a:r>
-            <a:r>
-              <a:rPr lang="en-US" sz="1400" b="0" u="none" strike="noStrike" dirty="0">
-                <a:solidFill>
-                  <a:srgbClr val="FFFFFF"/>
-                </a:solidFill>
-                <a:effectLst/>
-                <a:uFillTx/>
+              <a:rPr lang="en-US" sz="1400" dirty="0">
+                <a:solidFill>
+                  <a:srgbClr val="FFFFFF"/>
+                </a:solidFill>
+                <a:latin typeface="OpenSymbol"/>
+              </a:rPr>
+              <a:t>No </a:t>
+            </a:r>
+            <a:r>
+              <a:rPr lang="en-US" sz="1400" dirty="0" err="1">
+                <a:solidFill>
+                  <a:srgbClr val="FFFFFF"/>
+                </a:solidFill>
+                <a:latin typeface="OpenSymbol"/>
+              </a:rPr>
+              <a:t>período</a:t>
+            </a:r>
+            <a:r>
+              <a:rPr lang="en-US" sz="1400" dirty="0">
+                <a:solidFill>
+                  <a:srgbClr val="FFFFFF"/>
+                </a:solidFill>
                 <a:latin typeface="OpenSymbol"/>
               </a:rPr>
               <a:t> </a:t>
             </a:r>
             <a:r>
-              <a:rPr lang="en-US" sz="1400" b="0" u="none" strike="noStrike" dirty="0" err="1">
-                <a:solidFill>
-                  <a:srgbClr val="FFFFFF"/>
-                </a:solidFill>
-                <a:effectLst/>
-                <a:uFillTx/>
-                <a:latin typeface="OpenSymbol"/>
-              </a:rPr>
-              <a:t>desafio</a:t>
-            </a:r>
-            <a:r>
-              <a:rPr lang="en-US" sz="1400" b="0" u="none" strike="noStrike" dirty="0">
-                <a:solidFill>
-                  <a:srgbClr val="FFFFFF"/>
-                </a:solidFill>
-                <a:effectLst/>
-                <a:uFillTx/>
+              <a:rPr lang="en-US" sz="1400" dirty="0" err="1">
+                <a:solidFill>
+                  <a:srgbClr val="FFFFFF"/>
+                </a:solidFill>
+                <a:latin typeface="OpenSymbol"/>
+              </a:rPr>
+              <a:t>em</a:t>
+            </a:r>
+            <a:r>
+              <a:rPr lang="en-US" sz="1400" dirty="0">
+                <a:solidFill>
+                  <a:srgbClr val="FFFFFF"/>
+                </a:solidFill>
                 <a:latin typeface="OpenSymbol"/>
               </a:rPr>
               <a:t> </a:t>
             </a:r>
             <a:r>
-              <a:rPr lang="en-US" sz="1400" b="0" u="none" strike="noStrike" dirty="0" err="1">
-                <a:solidFill>
-                  <a:srgbClr val="FFFFFF"/>
-                </a:solidFill>
-                <a:effectLst/>
-                <a:uFillTx/>
-                <a:latin typeface="OpenSymbol"/>
-              </a:rPr>
-              <a:t>relacionado</a:t>
-            </a:r>
-            <a:r>
-              <a:rPr lang="en-US" sz="1400" b="0" u="none" strike="noStrike" dirty="0">
-                <a:solidFill>
-                  <a:srgbClr val="FFFFFF"/>
-                </a:solidFill>
-                <a:effectLst/>
-                <a:uFillTx/>
+              <a:rPr lang="en-US" sz="1400" dirty="0" err="1">
+                <a:solidFill>
+                  <a:srgbClr val="FFFFFF"/>
+                </a:solidFill>
+                <a:latin typeface="OpenSymbol"/>
+              </a:rPr>
+              <a:t>que</a:t>
+            </a:r>
+            <a:r>
+              <a:rPr lang="en-US" sz="1400" dirty="0">
+                <a:solidFill>
+                  <a:srgbClr val="FFFFFF"/>
+                </a:solidFill>
                 <a:latin typeface="OpenSymbol"/>
               </a:rPr>
               <a:t> </a:t>
             </a:r>
             <a:r>
-              <a:rPr lang="en-US" sz="1400" b="0" u="none" strike="noStrike" dirty="0" err="1">
-                <a:solidFill>
-                  <a:srgbClr val="FFFFFF"/>
-                </a:solidFill>
-                <a:effectLst/>
-                <a:uFillTx/>
-                <a:latin typeface="OpenSymbol"/>
-              </a:rPr>
-              <a:t>ao</a:t>
-            </a:r>
-            <a:r>
-              <a:rPr lang="en-US" sz="1400" b="0" u="none" strike="noStrike" dirty="0">
-                <a:solidFill>
-                  <a:srgbClr val="FFFFFF"/>
-                </a:solidFill>
-                <a:effectLst/>
-                <a:uFillTx/>
-                <a:latin typeface="OpenSymbol"/>
-              </a:rPr>
-              <a:t> meu </a:t>
-            </a:r>
-            <a:r>
-              <a:rPr lang="en-US" sz="1400" b="0" u="none" strike="noStrike" dirty="0" err="1">
-                <a:solidFill>
-                  <a:srgbClr val="FFFFFF"/>
-                </a:solidFill>
-                <a:effectLst/>
-                <a:uFillTx/>
-                <a:latin typeface="OpenSymbol"/>
-              </a:rPr>
-              <a:t>projeto</a:t>
-            </a:r>
-            <a:r>
-              <a:rPr lang="en-US" sz="1400" b="0" u="none" strike="noStrike" dirty="0">
-                <a:solidFill>
-                  <a:srgbClr val="FFFFFF"/>
-                </a:solidFill>
-                <a:effectLst/>
-                <a:uFillTx/>
+              <a:rPr lang="en-US" sz="1400" dirty="0" err="1">
+                <a:solidFill>
+                  <a:srgbClr val="FFFFFF"/>
+                </a:solidFill>
+                <a:latin typeface="OpenSymbol"/>
+              </a:rPr>
+              <a:t>comecei</a:t>
+            </a:r>
+            <a:r>
+              <a:rPr lang="en-US" sz="1400" dirty="0">
+                <a:solidFill>
+                  <a:srgbClr val="FFFFFF"/>
+                </a:solidFill>
+                <a:latin typeface="OpenSymbol"/>
+              </a:rPr>
+              <a:t> a </a:t>
+            </a:r>
+            <a:r>
+              <a:rPr lang="en-US" sz="1400" dirty="0" err="1">
+                <a:solidFill>
+                  <a:srgbClr val="FFFFFF"/>
+                </a:solidFill>
+                <a:latin typeface="OpenSymbol"/>
+              </a:rPr>
+              <a:t>assistir</a:t>
+            </a:r>
+            <a:r>
+              <a:rPr lang="en-US" sz="1400" dirty="0">
+                <a:solidFill>
+                  <a:srgbClr val="FFFFFF"/>
+                </a:solidFill>
+                <a:latin typeface="OpenSymbol"/>
+              </a:rPr>
+              <a:t> Gigantes de </a:t>
+            </a:r>
+            <a:r>
+              <a:rPr lang="en-US" sz="1400" dirty="0" err="1">
+                <a:solidFill>
+                  <a:srgbClr val="FFFFFF"/>
+                </a:solidFill>
+                <a:latin typeface="OpenSymbol"/>
+              </a:rPr>
+              <a:t>Aço</a:t>
+            </a:r>
+            <a:r>
+              <a:rPr lang="en-US" sz="1400" dirty="0">
+                <a:solidFill>
+                  <a:srgbClr val="FFFFFF"/>
+                </a:solidFill>
                 <a:latin typeface="OpenSymbol"/>
               </a:rPr>
               <a:t> </a:t>
             </a:r>
             <a:r>
-              <a:rPr lang="en-US" sz="1400" b="0" u="none" strike="noStrike" dirty="0" err="1">
-                <a:solidFill>
-                  <a:srgbClr val="FFFFFF"/>
-                </a:solidFill>
-                <a:effectLst/>
-                <a:uFillTx/>
-                <a:latin typeface="OpenSymbol"/>
-              </a:rPr>
-              <a:t>foi</a:t>
-            </a:r>
-            <a:r>
-              <a:rPr lang="en-US" sz="1400" b="0" u="none" strike="noStrike" dirty="0">
-                <a:solidFill>
-                  <a:srgbClr val="FFFFFF"/>
-                </a:solidFill>
-                <a:effectLst/>
-                <a:uFillTx/>
-                <a:latin typeface="OpenSymbol"/>
-              </a:rPr>
-              <a:t> a </a:t>
-            </a:r>
-            <a:r>
-              <a:rPr lang="en-US" sz="1400" b="0" u="none" strike="noStrike" dirty="0" err="1">
-                <a:solidFill>
-                  <a:srgbClr val="FFFFFF"/>
-                </a:solidFill>
-                <a:effectLst/>
-                <a:uFillTx/>
-                <a:latin typeface="OpenSymbol"/>
-              </a:rPr>
-              <a:t>comparação</a:t>
-            </a:r>
-            <a:r>
-              <a:rPr lang="en-US" sz="1400" b="0" u="none" strike="noStrike" dirty="0">
-                <a:solidFill>
-                  <a:srgbClr val="FFFFFF"/>
-                </a:solidFill>
-                <a:effectLst/>
-                <a:uFillTx/>
+              <a:rPr lang="en-US" sz="1600" dirty="0" err="1">
+                <a:solidFill>
+                  <a:srgbClr val="FFFFFF"/>
+                </a:solidFill>
+                <a:latin typeface="OpenSymbol"/>
+              </a:rPr>
+              <a:t>eu</a:t>
+            </a:r>
+            <a:r>
+              <a:rPr lang="en-US" sz="1600" dirty="0">
+                <a:solidFill>
+                  <a:srgbClr val="FFFFFF"/>
+                </a:solidFill>
                 <a:latin typeface="OpenSymbol"/>
               </a:rPr>
               <a:t> </a:t>
             </a:r>
             <a:r>
-              <a:rPr lang="en-US" sz="1400" b="0" u="none" strike="noStrike" dirty="0" err="1">
-                <a:solidFill>
-                  <a:srgbClr val="FFFFFF"/>
-                </a:solidFill>
-                <a:effectLst/>
-                <a:uFillTx/>
+              <a:rPr lang="en-US" sz="1600" dirty="0" err="1">
+                <a:solidFill>
+                  <a:srgbClr val="FFFFFF"/>
+                </a:solidFill>
+                <a:latin typeface="OpenSymbol"/>
+              </a:rPr>
+              <a:t>estava</a:t>
+            </a:r>
+            <a:r>
+              <a:rPr lang="en-US" sz="1600" dirty="0">
+                <a:solidFill>
+                  <a:srgbClr val="FFFFFF"/>
+                </a:solidFill>
+                <a:latin typeface="OpenSymbol"/>
+              </a:rPr>
+              <a:t> </a:t>
+            </a:r>
+            <a:r>
+              <a:rPr lang="en-US" sz="1600" dirty="0" err="1">
+                <a:solidFill>
+                  <a:srgbClr val="FFFFFF"/>
+                </a:solidFill>
+                <a:latin typeface="OpenSymbol"/>
+              </a:rPr>
+              <a:t>sentindo</a:t>
+            </a:r>
+            <a:r>
+              <a:rPr lang="en-US" sz="1600" dirty="0">
+                <a:solidFill>
+                  <a:srgbClr val="FFFFFF"/>
+                </a:solidFill>
+                <a:latin typeface="OpenSymbol"/>
+              </a:rPr>
+              <a:t> </a:t>
+            </a:r>
+            <a:r>
+              <a:rPr lang="en-US" sz="1600" dirty="0" err="1">
+                <a:solidFill>
+                  <a:srgbClr val="FFFFFF"/>
+                </a:solidFill>
+                <a:latin typeface="OpenSymbol"/>
+              </a:rPr>
+              <a:t>que</a:t>
+            </a:r>
+            <a:r>
+              <a:rPr lang="en-US" sz="1600" dirty="0">
+                <a:solidFill>
+                  <a:srgbClr val="FFFFFF"/>
+                </a:solidFill>
+                <a:latin typeface="OpenSymbol"/>
+              </a:rPr>
+              <a:t> meu pai </a:t>
+            </a:r>
+            <a:r>
+              <a:rPr lang="en-US" sz="1600" dirty="0" err="1">
+                <a:solidFill>
+                  <a:srgbClr val="FFFFFF"/>
+                </a:solidFill>
+                <a:latin typeface="OpenSymbol"/>
+              </a:rPr>
+              <a:t>não</a:t>
+            </a:r>
+            <a:r>
+              <a:rPr lang="en-US" sz="1600" dirty="0">
+                <a:solidFill>
+                  <a:srgbClr val="FFFFFF"/>
+                </a:solidFill>
+                <a:latin typeface="OpenSymbol"/>
+              </a:rPr>
+              <a:t> </a:t>
+            </a:r>
+            <a:r>
+              <a:rPr lang="en-US" sz="1600" dirty="0" err="1">
+                <a:solidFill>
+                  <a:srgbClr val="FFFFFF"/>
+                </a:solidFill>
+                <a:latin typeface="OpenSymbol"/>
+              </a:rPr>
+              <a:t>passava</a:t>
+            </a:r>
+            <a:r>
+              <a:rPr lang="en-US" sz="1600" dirty="0">
+                <a:solidFill>
+                  <a:srgbClr val="FFFFFF"/>
+                </a:solidFill>
+                <a:latin typeface="OpenSymbol"/>
+              </a:rPr>
+              <a:t> tanto tempo </a:t>
+            </a:r>
+            <a:r>
+              <a:rPr lang="en-US" sz="1600" dirty="0" err="1">
+                <a:solidFill>
+                  <a:srgbClr val="FFFFFF"/>
+                </a:solidFill>
+                <a:latin typeface="OpenSymbol"/>
+              </a:rPr>
+              <a:t>comigo</a:t>
+            </a:r>
+            <a:r>
+              <a:rPr lang="en-US" sz="1600" dirty="0">
+                <a:solidFill>
+                  <a:srgbClr val="FFFFFF"/>
+                </a:solidFill>
+                <a:latin typeface="OpenSymbol"/>
+              </a:rPr>
+              <a:t>, </a:t>
+            </a:r>
+            <a:r>
+              <a:rPr lang="en-US" sz="1600" dirty="0" err="1">
+                <a:solidFill>
+                  <a:srgbClr val="FFFFFF"/>
+                </a:solidFill>
+                <a:latin typeface="OpenSymbol"/>
+              </a:rPr>
+              <a:t>por</a:t>
+            </a:r>
+            <a:r>
+              <a:rPr lang="en-US" sz="1600" dirty="0">
+                <a:solidFill>
+                  <a:srgbClr val="FFFFFF"/>
+                </a:solidFill>
+                <a:latin typeface="OpenSymbol"/>
+              </a:rPr>
+              <a:t> </a:t>
+            </a:r>
+            <a:r>
+              <a:rPr lang="en-US" sz="1600" dirty="0" err="1">
+                <a:solidFill>
+                  <a:srgbClr val="FFFFFF"/>
+                </a:solidFill>
+                <a:latin typeface="OpenSymbol"/>
+              </a:rPr>
+              <a:t>isso</a:t>
+            </a:r>
+            <a:r>
+              <a:rPr lang="en-US" sz="1600" dirty="0">
+                <a:solidFill>
+                  <a:srgbClr val="FFFFFF"/>
+                </a:solidFill>
+                <a:latin typeface="OpenSymbol"/>
+              </a:rPr>
+              <a:t> </a:t>
+            </a:r>
+            <a:r>
+              <a:rPr lang="en-US" sz="1600" dirty="0" err="1">
+                <a:solidFill>
+                  <a:srgbClr val="FFFFFF"/>
+                </a:solidFill>
+                <a:latin typeface="OpenSymbol"/>
+              </a:rPr>
+              <a:t>eu</a:t>
+            </a:r>
+            <a:r>
+              <a:rPr lang="en-US" sz="1600" dirty="0">
+                <a:solidFill>
+                  <a:srgbClr val="FFFFFF"/>
+                </a:solidFill>
+                <a:latin typeface="OpenSymbol"/>
+              </a:rPr>
+              <a:t> </a:t>
+            </a:r>
+            <a:r>
+              <a:rPr lang="en-US" sz="1600" dirty="0" err="1">
+                <a:solidFill>
+                  <a:srgbClr val="FFFFFF"/>
+                </a:solidFill>
+                <a:latin typeface="OpenSymbol"/>
+              </a:rPr>
+              <a:t>gostava</a:t>
+            </a:r>
+            <a:r>
+              <a:rPr lang="en-US" sz="1600" dirty="0">
+                <a:solidFill>
+                  <a:srgbClr val="FFFFFF"/>
+                </a:solidFill>
+                <a:latin typeface="OpenSymbol"/>
+              </a:rPr>
+              <a:t> de </a:t>
+            </a:r>
+            <a:r>
+              <a:rPr lang="en-US" sz="1600" dirty="0" err="1">
+                <a:solidFill>
+                  <a:srgbClr val="FFFFFF"/>
+                </a:solidFill>
+                <a:latin typeface="OpenSymbol"/>
+              </a:rPr>
+              <a:t>chamá</a:t>
+            </a:r>
+            <a:r>
+              <a:rPr lang="en-US" sz="1600" dirty="0">
+                <a:solidFill>
+                  <a:srgbClr val="FFFFFF"/>
+                </a:solidFill>
+                <a:latin typeface="OpenSymbol"/>
+              </a:rPr>
+              <a:t>-lo para </a:t>
+            </a:r>
+            <a:r>
+              <a:rPr lang="en-US" sz="1600" dirty="0" err="1">
+                <a:solidFill>
+                  <a:srgbClr val="FFFFFF"/>
+                </a:solidFill>
+                <a:latin typeface="OpenSymbol"/>
+              </a:rPr>
+              <a:t>assistirmos</a:t>
+            </a:r>
+            <a:r>
+              <a:rPr lang="en-US" sz="1600" dirty="0">
+                <a:solidFill>
+                  <a:srgbClr val="FFFFFF"/>
+                </a:solidFill>
+                <a:latin typeface="OpenSymbol"/>
+              </a:rPr>
+              <a:t> </a:t>
+            </a:r>
+            <a:r>
+              <a:rPr lang="en-US" sz="1600" dirty="0" err="1">
+                <a:solidFill>
+                  <a:srgbClr val="FFFFFF"/>
+                </a:solidFill>
+                <a:latin typeface="OpenSymbol"/>
+              </a:rPr>
+              <a:t>juntos</a:t>
+            </a:r>
+            <a:r>
+              <a:rPr lang="en-US" sz="1600" dirty="0">
+                <a:solidFill>
+                  <a:srgbClr val="FFFFFF"/>
+                </a:solidFill>
+                <a:latin typeface="OpenSymbol"/>
+              </a:rPr>
+              <a:t>, para </a:t>
+            </a:r>
+            <a:r>
+              <a:rPr lang="en-US" sz="1600" dirty="0" err="1">
+                <a:solidFill>
+                  <a:srgbClr val="FFFFFF"/>
+                </a:solidFill>
+                <a:latin typeface="OpenSymbol"/>
+              </a:rPr>
+              <a:t>passarmos</a:t>
+            </a:r>
+            <a:r>
+              <a:rPr lang="en-US" sz="1600" dirty="0">
+                <a:solidFill>
+                  <a:srgbClr val="FFFFFF"/>
+                </a:solidFill>
+                <a:latin typeface="OpenSymbol"/>
+              </a:rPr>
+              <a:t> tempo </a:t>
+            </a:r>
+            <a:r>
+              <a:rPr lang="en-US" sz="1600" dirty="0" err="1">
+                <a:solidFill>
+                  <a:srgbClr val="FFFFFF"/>
+                </a:solidFill>
+                <a:latin typeface="OpenSymbol"/>
+              </a:rPr>
+              <a:t>juntos</a:t>
+            </a:r>
+            <a:r>
+              <a:rPr lang="en-US" sz="1600" dirty="0">
+                <a:solidFill>
+                  <a:srgbClr val="FFFFFF"/>
+                </a:solidFill>
+                <a:latin typeface="OpenSymbol"/>
+              </a:rPr>
+              <a:t>. Com </a:t>
+            </a:r>
+            <a:r>
+              <a:rPr lang="en-US" sz="1600" dirty="0" err="1">
+                <a:solidFill>
+                  <a:srgbClr val="FFFFFF"/>
+                </a:solidFill>
+                <a:latin typeface="OpenSymbol"/>
+              </a:rPr>
+              <a:t>essa</a:t>
+            </a:r>
+            <a:r>
+              <a:rPr lang="en-US" sz="1600" dirty="0">
+                <a:solidFill>
+                  <a:srgbClr val="FFFFFF"/>
+                </a:solidFill>
+                <a:latin typeface="OpenSymbol"/>
+              </a:rPr>
+              <a:t> </a:t>
+            </a:r>
+            <a:r>
+              <a:rPr lang="en-US" sz="1600" dirty="0" err="1">
+                <a:solidFill>
+                  <a:srgbClr val="FFFFFF"/>
+                </a:solidFill>
+                <a:latin typeface="OpenSymbol"/>
+              </a:rPr>
+              <a:t>ação</a:t>
+            </a:r>
+            <a:r>
+              <a:rPr lang="en-US" sz="1600" dirty="0">
+                <a:solidFill>
+                  <a:srgbClr val="FFFFFF"/>
+                </a:solidFill>
+                <a:latin typeface="OpenSymbol"/>
+              </a:rPr>
+              <a:t> de </a:t>
+            </a:r>
+            <a:r>
+              <a:rPr lang="en-US" sz="1600" dirty="0" err="1">
+                <a:solidFill>
+                  <a:srgbClr val="FFFFFF"/>
+                </a:solidFill>
+                <a:latin typeface="OpenSymbol"/>
+              </a:rPr>
+              <a:t>sugerir</a:t>
+            </a:r>
+            <a:r>
+              <a:rPr lang="en-US" sz="1600" dirty="0">
+                <a:solidFill>
+                  <a:srgbClr val="FFFFFF"/>
+                </a:solidFill>
+                <a:latin typeface="OpenSymbol"/>
+              </a:rPr>
+              <a:t> para </a:t>
+            </a:r>
+            <a:r>
+              <a:rPr lang="en-US" sz="1600" dirty="0" err="1">
+                <a:solidFill>
+                  <a:srgbClr val="FFFFFF"/>
+                </a:solidFill>
+                <a:latin typeface="OpenSymbol"/>
+              </a:rPr>
+              <a:t>assistirmos</a:t>
+            </a:r>
+            <a:r>
+              <a:rPr lang="en-US" sz="1600" dirty="0">
+                <a:solidFill>
+                  <a:srgbClr val="FFFFFF"/>
+                </a:solidFill>
+                <a:latin typeface="OpenSymbol"/>
+              </a:rPr>
+              <a:t> </a:t>
+            </a:r>
+            <a:r>
+              <a:rPr lang="en-US" sz="1600" dirty="0" err="1">
+                <a:solidFill>
+                  <a:srgbClr val="FFFFFF"/>
+                </a:solidFill>
+                <a:latin typeface="OpenSymbol"/>
+              </a:rPr>
+              <a:t>juntos</a:t>
+            </a:r>
+            <a:r>
+              <a:rPr lang="en-US" sz="1600" dirty="0">
+                <a:solidFill>
+                  <a:srgbClr val="FFFFFF"/>
+                </a:solidFill>
+                <a:latin typeface="OpenSymbol"/>
+              </a:rPr>
+              <a:t>, </a:t>
+            </a:r>
+            <a:r>
+              <a:rPr lang="en-US" sz="1600" dirty="0" err="1">
+                <a:solidFill>
+                  <a:srgbClr val="FFFFFF"/>
+                </a:solidFill>
+                <a:latin typeface="OpenSymbol"/>
+              </a:rPr>
+              <a:t>realmente</a:t>
+            </a:r>
+            <a:r>
+              <a:rPr lang="en-US" sz="1600" dirty="0">
+                <a:solidFill>
+                  <a:srgbClr val="FFFFFF"/>
+                </a:solidFill>
+                <a:latin typeface="OpenSymbol"/>
+              </a:rPr>
+              <a:t> </a:t>
+            </a:r>
+            <a:r>
+              <a:rPr lang="en-US" sz="1600" dirty="0" err="1">
+                <a:solidFill>
+                  <a:srgbClr val="FFFFFF"/>
+                </a:solidFill>
+                <a:latin typeface="OpenSymbol"/>
+              </a:rPr>
+              <a:t>nos</a:t>
+            </a:r>
+            <a:r>
+              <a:rPr lang="en-US" sz="1600" dirty="0">
+                <a:solidFill>
+                  <a:srgbClr val="FFFFFF"/>
+                </a:solidFill>
+                <a:latin typeface="OpenSymbol"/>
+              </a:rPr>
+              <a:t> </a:t>
+            </a:r>
+            <a:r>
+              <a:rPr lang="en-US" sz="1600" dirty="0" err="1">
+                <a:solidFill>
+                  <a:srgbClr val="FFFFFF"/>
+                </a:solidFill>
+                <a:latin typeface="OpenSymbol"/>
+              </a:rPr>
+              <a:t>aproximou</a:t>
+            </a:r>
+            <a:r>
+              <a:rPr lang="en-US" sz="1600" dirty="0">
+                <a:solidFill>
+                  <a:srgbClr val="FFFFFF"/>
+                </a:solidFill>
+                <a:latin typeface="OpenSymbol"/>
+              </a:rPr>
+              <a:t>, </a:t>
+            </a:r>
+            <a:r>
+              <a:rPr lang="en-US" sz="1600" dirty="0" err="1">
+                <a:solidFill>
+                  <a:srgbClr val="FFFFFF"/>
+                </a:solidFill>
+                <a:latin typeface="OpenSymbol"/>
+              </a:rPr>
+              <a:t>nesse</a:t>
+            </a:r>
+            <a:r>
+              <a:rPr lang="en-US" sz="1600" dirty="0">
+                <a:solidFill>
+                  <a:srgbClr val="FFFFFF"/>
+                </a:solidFill>
+                <a:latin typeface="OpenSymbol"/>
+              </a:rPr>
+              <a:t> tempo </a:t>
+            </a:r>
+            <a:r>
+              <a:rPr lang="en-US" sz="1600" dirty="0" err="1">
+                <a:solidFill>
+                  <a:srgbClr val="FFFFFF"/>
+                </a:solidFill>
+                <a:latin typeface="OpenSymbol"/>
+              </a:rPr>
+              <a:t>eu</a:t>
+            </a:r>
+            <a:r>
+              <a:rPr lang="en-US" sz="1600" dirty="0">
+                <a:solidFill>
+                  <a:srgbClr val="FFFFFF"/>
+                </a:solidFill>
+                <a:latin typeface="OpenSymbol"/>
+              </a:rPr>
+              <a:t> </a:t>
+            </a:r>
+            <a:r>
+              <a:rPr lang="en-US" sz="1600" dirty="0" err="1">
+                <a:solidFill>
+                  <a:srgbClr val="FFFFFF"/>
+                </a:solidFill>
+                <a:latin typeface="OpenSymbol"/>
+              </a:rPr>
+              <a:t>acabei</a:t>
+            </a:r>
+            <a:r>
+              <a:rPr lang="en-US" sz="1600" dirty="0">
+                <a:solidFill>
+                  <a:srgbClr val="FFFFFF"/>
+                </a:solidFill>
+                <a:latin typeface="OpenSymbol"/>
+              </a:rPr>
+              <a:t> me </a:t>
+            </a:r>
+            <a:r>
+              <a:rPr lang="en-US" sz="1600" dirty="0" err="1">
+                <a:solidFill>
+                  <a:srgbClr val="FFFFFF"/>
+                </a:solidFill>
+                <a:latin typeface="OpenSymbol"/>
+              </a:rPr>
+              <a:t>identificando</a:t>
+            </a:r>
+            <a:r>
+              <a:rPr lang="en-US" sz="1600" dirty="0">
+                <a:solidFill>
+                  <a:srgbClr val="FFFFFF"/>
+                </a:solidFill>
+                <a:latin typeface="OpenSymbol"/>
+              </a:rPr>
+              <a:t> </a:t>
+            </a:r>
+            <a:r>
+              <a:rPr lang="en-US" sz="1600" dirty="0" err="1">
+                <a:solidFill>
+                  <a:srgbClr val="FFFFFF"/>
+                </a:solidFill>
+                <a:latin typeface="OpenSymbol"/>
+              </a:rPr>
+              <a:t>bastante</a:t>
+            </a:r>
+            <a:r>
+              <a:rPr lang="en-US" sz="1600" dirty="0">
+                <a:solidFill>
+                  <a:srgbClr val="FFFFFF"/>
+                </a:solidFill>
+                <a:latin typeface="OpenSymbol"/>
+              </a:rPr>
+              <a:t> com o </a:t>
+            </a:r>
+            <a:r>
+              <a:rPr lang="en-US" sz="1600" dirty="0" err="1">
+                <a:solidFill>
+                  <a:srgbClr val="FFFFFF"/>
+                </a:solidFill>
+                <a:latin typeface="OpenSymbol"/>
+              </a:rPr>
+              <a:t>filme</a:t>
+            </a:r>
+            <a:r>
+              <a:rPr lang="en-US" sz="1600" dirty="0">
+                <a:solidFill>
+                  <a:srgbClr val="FFFFFF"/>
+                </a:solidFill>
+                <a:latin typeface="OpenSymbol"/>
+              </a:rPr>
+              <a:t>, a </a:t>
+            </a:r>
+            <a:r>
+              <a:rPr lang="en-US" sz="1600" dirty="0" err="1">
+                <a:solidFill>
+                  <a:srgbClr val="FFFFFF"/>
+                </a:solidFill>
+                <a:latin typeface="OpenSymbol"/>
+              </a:rPr>
+              <a:t>situação</a:t>
+            </a:r>
+            <a:r>
+              <a:rPr lang="en-US" sz="1600" dirty="0">
+                <a:solidFill>
+                  <a:srgbClr val="FFFFFF"/>
+                </a:solidFill>
+                <a:latin typeface="OpenSymbol"/>
+              </a:rPr>
+              <a:t> do </a:t>
+            </a:r>
+            <a:r>
+              <a:rPr lang="en-US" sz="1600" dirty="0" err="1">
+                <a:solidFill>
+                  <a:srgbClr val="FFFFFF"/>
+                </a:solidFill>
+                <a:latin typeface="OpenSymbol"/>
+              </a:rPr>
+              <a:t>filme</a:t>
+            </a:r>
+            <a:r>
+              <a:rPr lang="en-US" sz="1600" dirty="0">
+                <a:solidFill>
+                  <a:srgbClr val="FFFFFF"/>
+                </a:solidFill>
+                <a:latin typeface="OpenSymbol"/>
+              </a:rPr>
+              <a:t> </a:t>
+            </a:r>
+            <a:r>
+              <a:rPr lang="en-US" sz="1600" dirty="0" err="1">
+                <a:solidFill>
+                  <a:srgbClr val="FFFFFF"/>
+                </a:solidFill>
+                <a:latin typeface="OpenSymbol"/>
+              </a:rPr>
+              <a:t>retrata</a:t>
+            </a:r>
+            <a:r>
+              <a:rPr lang="en-US" sz="1600" dirty="0">
+                <a:solidFill>
+                  <a:srgbClr val="FFFFFF"/>
+                </a:solidFill>
+                <a:latin typeface="OpenSymbol"/>
+              </a:rPr>
+              <a:t> </a:t>
+            </a:r>
+            <a:r>
+              <a:rPr lang="en-US" sz="1600" dirty="0" err="1">
+                <a:solidFill>
+                  <a:srgbClr val="FFFFFF"/>
+                </a:solidFill>
+                <a:latin typeface="OpenSymbol"/>
+              </a:rPr>
+              <a:t>uma</a:t>
+            </a:r>
+            <a:r>
+              <a:rPr lang="en-US" sz="1600" dirty="0">
+                <a:solidFill>
+                  <a:srgbClr val="FFFFFF"/>
+                </a:solidFill>
+                <a:latin typeface="OpenSymbol"/>
+              </a:rPr>
+              <a:t> </a:t>
+            </a:r>
+            <a:r>
+              <a:rPr lang="en-US" sz="1600" dirty="0" err="1">
+                <a:solidFill>
+                  <a:srgbClr val="FFFFFF"/>
+                </a:solidFill>
+                <a:latin typeface="OpenSymbol"/>
+              </a:rPr>
+              <a:t>relação</a:t>
+            </a:r>
+            <a:r>
+              <a:rPr lang="en-US" sz="1600" dirty="0">
+                <a:solidFill>
+                  <a:srgbClr val="FFFFFF"/>
+                </a:solidFill>
+                <a:latin typeface="OpenSymbol"/>
+              </a:rPr>
+              <a:t> </a:t>
+            </a:r>
+            <a:r>
+              <a:rPr lang="en-US" sz="1600" dirty="0" err="1">
+                <a:solidFill>
+                  <a:srgbClr val="FFFFFF"/>
+                </a:solidFill>
                 <a:latin typeface="OpenSymbol"/>
               </a:rPr>
               <a:t>bem</a:t>
             </a:r>
             <a:r>
-              <a:rPr lang="en-US" sz="1400" b="0" u="none" strike="noStrike" dirty="0">
-                <a:solidFill>
-                  <a:srgbClr val="FFFFFF"/>
-                </a:solidFill>
-                <a:effectLst/>
-                <a:uFillTx/>
-                <a:latin typeface="OpenSymbol"/>
-              </a:rPr>
-              <a:t> no </a:t>
-            </a:r>
-            <a:r>
-              <a:rPr lang="en-US" sz="1400" dirty="0" err="1">
-                <a:solidFill>
-                  <a:srgbClr val="FFFFFF"/>
-                </a:solidFill>
-                <a:latin typeface="OpenSymbol"/>
-              </a:rPr>
-              <a:t>início</a:t>
-            </a:r>
-            <a:r>
-              <a:rPr lang="en-US" sz="1400" dirty="0">
-                <a:solidFill>
-                  <a:srgbClr val="FFFFFF"/>
-                </a:solidFill>
-                <a:latin typeface="OpenSymbol"/>
-              </a:rPr>
-              <a:t>, </a:t>
-            </a:r>
-            <a:r>
-              <a:rPr lang="en-US" sz="1400" dirty="0" err="1">
-                <a:solidFill>
-                  <a:srgbClr val="FFFFFF"/>
-                </a:solidFill>
-                <a:latin typeface="OpenSymbol"/>
-              </a:rPr>
-              <a:t>sentir</a:t>
-            </a:r>
-            <a:r>
-              <a:rPr lang="en-US" sz="1400" dirty="0">
+              <a:rPr lang="en-US" sz="1600" dirty="0">
                 <a:solidFill>
                   <a:srgbClr val="FFFFFF"/>
                 </a:solidFill>
@@ -9201,16 +9763,34 @@
               <a:t> </a:t>
             </a:r>
             <a:r>
-              <a:rPr lang="en-US" sz="1400" dirty="0" err="1">
-                <a:solidFill>
-                  <a:srgbClr val="FFFFFF"/>
-                </a:solidFill>
-                <a:latin typeface="OpenSymbol"/>
-              </a:rPr>
-              <a:t>que</a:t>
-            </a:r>
-            <a:r>
-              <a:rPr lang="en-US" sz="1400" dirty="0">
+              <a:rPr lang="en-US" sz="1600" dirty="0" err="1">
+                <a:solidFill>
+                  <a:srgbClr val="FFFFFF"/>
+                </a:solidFill>
+                <a:latin typeface="OpenSymbol"/>
+              </a:rPr>
+              <a:t>distante</a:t>
+            </a:r>
+            <a:r>
+              <a:rPr lang="en-US" sz="1600" dirty="0">
+                <a:solidFill>
+                  <a:srgbClr val="FFFFFF"/>
+                </a:solidFill>
+                <a:latin typeface="OpenSymbol"/>
+              </a:rPr>
+              <a:t>, a </a:t>
+            </a:r>
+            <a:r>
+              <a:rPr lang="en-US" sz="1600" dirty="0" err="1">
+                <a:solidFill>
+                  <a:srgbClr val="FFFFFF"/>
+                </a:solidFill>
+                <a:latin typeface="OpenSymbol"/>
+              </a:rPr>
+              <a:t>minha</a:t>
+            </a:r>
+            <a:r>
+              <a:rPr lang="en-US" sz="1600" dirty="0">
                 <a:solidFill>
                   <a:srgbClr val="FFFFFF"/>
                 </a:solidFill>
@@ -9219,34 +9799,52 @@
               <a:t> </a:t>
             </a:r>
             <a:r>
-              <a:rPr lang="en-US" sz="1400" dirty="0" err="1">
-                <a:solidFill>
-                  <a:srgbClr val="FFFFFF"/>
-                </a:solidFill>
-                <a:latin typeface="OpenSymbol"/>
-              </a:rPr>
-              <a:t>estava</a:t>
-            </a:r>
-            <a:r>
-              <a:rPr lang="en-US" sz="1400" dirty="0">
-                <a:solidFill>
-                  <a:srgbClr val="FFFFFF"/>
-                </a:solidFill>
-                <a:latin typeface="OpenSymbol"/>
-              </a:rPr>
-              <a:t> para </a:t>
-            </a:r>
-            <a:r>
-              <a:rPr lang="en-US" sz="1400" dirty="0" err="1">
-                <a:solidFill>
-                  <a:srgbClr val="FFFFFF"/>
-                </a:solidFill>
-                <a:latin typeface="OpenSymbol"/>
-              </a:rPr>
-              <a:t>trás</a:t>
-            </a:r>
-            <a:r>
-              <a:rPr lang="en-US" sz="1400" dirty="0">
+              <a:rPr lang="en-US" sz="1600" dirty="0" err="1">
+                <a:solidFill>
+                  <a:srgbClr val="FFFFFF"/>
+                </a:solidFill>
+                <a:latin typeface="OpenSymbol"/>
+              </a:rPr>
+              <a:t>não</a:t>
+            </a:r>
+            <a:r>
+              <a:rPr lang="en-US" sz="1600" dirty="0">
+                <a:solidFill>
+                  <a:srgbClr val="FFFFFF"/>
+                </a:solidFill>
+                <a:latin typeface="OpenSymbol"/>
+              </a:rPr>
+              <a:t> era </a:t>
+            </a:r>
+            <a:r>
+              <a:rPr lang="en-US" sz="1600" dirty="0" err="1">
+                <a:solidFill>
+                  <a:srgbClr val="FFFFFF"/>
+                </a:solidFill>
+                <a:latin typeface="OpenSymbol"/>
+              </a:rPr>
+              <a:t>assim</a:t>
+            </a:r>
+            <a:r>
+              <a:rPr lang="en-US" sz="1600" dirty="0">
+                <a:solidFill>
+                  <a:srgbClr val="FFFFFF"/>
+                </a:solidFill>
+                <a:latin typeface="OpenSymbol"/>
+              </a:rPr>
+              <a:t> mas </a:t>
+            </a:r>
+            <a:r>
+              <a:rPr lang="en-US" sz="1600" dirty="0" err="1">
+                <a:solidFill>
+                  <a:srgbClr val="FFFFFF"/>
+                </a:solidFill>
+                <a:latin typeface="OpenSymbol"/>
+              </a:rPr>
+              <a:t>ainda</a:t>
+            </a:r>
+            <a:r>
+              <a:rPr lang="en-US" sz="1600" dirty="0">
                 <a:solidFill>
                   <a:srgbClr val="FFFFFF"/>
                 </a:solidFill>
@@ -9255,268 +9853,70 @@
               <a:t> </a:t>
             </a:r>
             <a:r>
-              <a:rPr lang="en-US" sz="1400" dirty="0" err="1">
-                <a:solidFill>
-                  <a:srgbClr val="FFFFFF"/>
-                </a:solidFill>
-                <a:latin typeface="OpenSymbol"/>
-              </a:rPr>
-              <a:t>em</a:t>
-            </a:r>
-            <a:r>
-              <a:rPr lang="en-US" sz="1400" dirty="0">
-                <a:solidFill>
-                  <a:srgbClr val="FFFFFF"/>
-                </a:solidFill>
-                <a:latin typeface="OpenSymbol"/>
-              </a:rPr>
-              <a:t> </a:t>
-            </a:r>
-            <a:r>
-              <a:rPr lang="en-US" sz="1400" dirty="0" err="1">
-                <a:solidFill>
-                  <a:srgbClr val="FFFFFF"/>
-                </a:solidFill>
-                <a:latin typeface="OpenSymbol"/>
-              </a:rPr>
-              <a:t>questão</a:t>
-            </a:r>
-            <a:r>
-              <a:rPr lang="en-US" sz="1400" dirty="0">
-                <a:solidFill>
-                  <a:srgbClr val="FFFFFF"/>
-                </a:solidFill>
-                <a:latin typeface="OpenSymbol"/>
-              </a:rPr>
-              <a:t> de </a:t>
-            </a:r>
-            <a:r>
-              <a:rPr lang="en-US" sz="1400" dirty="0" err="1">
-                <a:solidFill>
-                  <a:srgbClr val="FFFFFF"/>
-                </a:solidFill>
-                <a:latin typeface="OpenSymbol"/>
-              </a:rPr>
-              <a:t>conhecimento</a:t>
-            </a:r>
-            <a:r>
-              <a:rPr lang="en-US" sz="1400" dirty="0">
-                <a:solidFill>
-                  <a:srgbClr val="FFFFFF"/>
-                </a:solidFill>
-                <a:latin typeface="OpenSymbol"/>
-              </a:rPr>
-              <a:t> </a:t>
-            </a:r>
-            <a:r>
-              <a:rPr lang="en-US" sz="1400" dirty="0" err="1">
-                <a:solidFill>
-                  <a:srgbClr val="FFFFFF"/>
-                </a:solidFill>
-                <a:latin typeface="OpenSymbol"/>
-              </a:rPr>
-              <a:t>comparado</a:t>
-            </a:r>
-            <a:r>
-              <a:rPr lang="en-US" sz="1400" dirty="0">
-                <a:solidFill>
-                  <a:srgbClr val="FFFFFF"/>
-                </a:solidFill>
-                <a:latin typeface="OpenSymbol"/>
-              </a:rPr>
-              <a:t> </a:t>
-            </a:r>
-            <a:r>
-              <a:rPr lang="en-US" sz="1400" dirty="0" err="1">
-                <a:solidFill>
-                  <a:srgbClr val="FFFFFF"/>
-                </a:solidFill>
-                <a:latin typeface="OpenSymbol"/>
-              </a:rPr>
-              <a:t>aos</a:t>
-            </a:r>
-            <a:r>
-              <a:rPr lang="en-US" sz="1400" dirty="0">
-                <a:solidFill>
-                  <a:srgbClr val="FFFFFF"/>
-                </a:solidFill>
-                <a:latin typeface="OpenSymbol"/>
-              </a:rPr>
-              <a:t> meus </a:t>
-            </a:r>
-            <a:r>
-              <a:rPr lang="en-US" sz="1400" dirty="0" err="1">
-                <a:solidFill>
-                  <a:srgbClr val="FFFFFF"/>
-                </a:solidFill>
-                <a:latin typeface="OpenSymbol"/>
-              </a:rPr>
-              <a:t>colegas</a:t>
-            </a:r>
-            <a:r>
-              <a:rPr lang="en-US" sz="1400" dirty="0">
-                <a:solidFill>
-                  <a:srgbClr val="FFFFFF"/>
-                </a:solidFill>
-                <a:latin typeface="OpenSymbol"/>
-              </a:rPr>
-              <a:t> </a:t>
-            </a:r>
-            <a:r>
-              <a:rPr lang="en-US" sz="1400" dirty="0" err="1">
-                <a:solidFill>
-                  <a:srgbClr val="FFFFFF"/>
-                </a:solidFill>
-                <a:latin typeface="OpenSymbol"/>
-              </a:rPr>
-              <a:t>foi</a:t>
-            </a:r>
-            <a:r>
-              <a:rPr lang="en-US" sz="1400" dirty="0">
-                <a:solidFill>
-                  <a:srgbClr val="FFFFFF"/>
-                </a:solidFill>
-                <a:latin typeface="OpenSymbol"/>
-              </a:rPr>
-              <a:t> </a:t>
-            </a:r>
-            <a:r>
-              <a:rPr lang="en-US" sz="1400" dirty="0" err="1">
-                <a:solidFill>
-                  <a:srgbClr val="FFFFFF"/>
-                </a:solidFill>
-                <a:latin typeface="OpenSymbol"/>
-              </a:rPr>
-              <a:t>frustrante</a:t>
-            </a:r>
-            <a:r>
-              <a:rPr lang="en-US" sz="1400" dirty="0">
-                <a:solidFill>
-                  <a:srgbClr val="FFFFFF"/>
-                </a:solidFill>
-                <a:latin typeface="OpenSymbol"/>
-              </a:rPr>
-              <a:t> no </a:t>
-            </a:r>
-            <a:r>
-              <a:rPr lang="en-US" sz="1400" dirty="0" err="1">
-                <a:solidFill>
-                  <a:srgbClr val="FFFFFF"/>
-                </a:solidFill>
-                <a:latin typeface="OpenSymbol"/>
-              </a:rPr>
-              <a:t>começo</a:t>
-            </a:r>
-            <a:r>
-              <a:rPr lang="en-US" sz="1400" dirty="0">
-                <a:solidFill>
-                  <a:srgbClr val="FFFFFF"/>
-                </a:solidFill>
-                <a:latin typeface="OpenSymbol"/>
-              </a:rPr>
-              <a:t>, </a:t>
-            </a:r>
-            <a:r>
-              <a:rPr lang="en-US" sz="1400" dirty="0" err="1">
-                <a:solidFill>
-                  <a:srgbClr val="FFFFFF"/>
-                </a:solidFill>
-                <a:latin typeface="OpenSymbol"/>
-              </a:rPr>
-              <a:t>senti</a:t>
-            </a:r>
-            <a:r>
-              <a:rPr lang="en-US" sz="1400" dirty="0">
-                <a:solidFill>
-                  <a:srgbClr val="FFFFFF"/>
-                </a:solidFill>
-                <a:latin typeface="OpenSymbol"/>
-              </a:rPr>
-              <a:t> </a:t>
-            </a:r>
-            <a:r>
-              <a:rPr lang="en-US" sz="1400" dirty="0" err="1">
-                <a:solidFill>
-                  <a:srgbClr val="FFFFFF"/>
-                </a:solidFill>
-                <a:latin typeface="OpenSymbol"/>
-              </a:rPr>
-              <a:t>que</a:t>
-            </a:r>
-            <a:r>
-              <a:rPr lang="en-US" sz="1400" dirty="0">
-                <a:solidFill>
-                  <a:srgbClr val="FFFFFF"/>
-                </a:solidFill>
-                <a:latin typeface="OpenSymbol"/>
-              </a:rPr>
-              <a:t> meu </a:t>
-            </a:r>
-            <a:r>
-              <a:rPr lang="en-US" sz="1400" dirty="0" err="1">
-                <a:solidFill>
-                  <a:srgbClr val="FFFFFF"/>
-                </a:solidFill>
-                <a:latin typeface="OpenSymbol"/>
-              </a:rPr>
-              <a:t>projeto</a:t>
-            </a:r>
-            <a:r>
-              <a:rPr lang="en-US" sz="1400" dirty="0">
-                <a:solidFill>
-                  <a:srgbClr val="FFFFFF"/>
-                </a:solidFill>
-                <a:latin typeface="OpenSymbol"/>
-              </a:rPr>
-              <a:t> </a:t>
-            </a:r>
-            <a:r>
-              <a:rPr lang="en-US" sz="1400" dirty="0" err="1">
-                <a:solidFill>
-                  <a:srgbClr val="FFFFFF"/>
-                </a:solidFill>
-                <a:latin typeface="OpenSymbol"/>
-              </a:rPr>
-              <a:t>não</a:t>
-            </a:r>
-            <a:r>
-              <a:rPr lang="en-US" sz="1400" dirty="0">
-                <a:solidFill>
-                  <a:srgbClr val="FFFFFF"/>
-                </a:solidFill>
-                <a:latin typeface="OpenSymbol"/>
-              </a:rPr>
-              <a:t> </a:t>
-            </a:r>
-            <a:r>
-              <a:rPr lang="en-US" sz="1400" dirty="0" err="1">
-                <a:solidFill>
-                  <a:srgbClr val="FFFFFF"/>
-                </a:solidFill>
-                <a:latin typeface="OpenSymbol"/>
-              </a:rPr>
-              <a:t>atenderia</a:t>
-            </a:r>
-            <a:r>
-              <a:rPr lang="en-US" sz="1400" dirty="0">
-                <a:solidFill>
-                  <a:srgbClr val="FFFFFF"/>
-                </a:solidFill>
-                <a:latin typeface="OpenSymbol"/>
-              </a:rPr>
-              <a:t> as </a:t>
-            </a:r>
-            <a:r>
-              <a:rPr lang="en-US" sz="1400" dirty="0" err="1">
-                <a:solidFill>
-                  <a:srgbClr val="FFFFFF"/>
-                </a:solidFill>
-                <a:latin typeface="OpenSymbol"/>
-              </a:rPr>
-              <a:t>expectativas</a:t>
-            </a:r>
-            <a:r>
-              <a:rPr lang="en-US" sz="1400" dirty="0">
+              <a:rPr lang="en-US" sz="1600" dirty="0" err="1">
+                <a:solidFill>
+                  <a:srgbClr val="FFFFFF"/>
+                </a:solidFill>
+                <a:latin typeface="OpenSymbol"/>
+              </a:rPr>
+              <a:t>acabei</a:t>
+            </a:r>
+            <a:r>
+              <a:rPr lang="en-US" sz="1600" dirty="0">
+                <a:solidFill>
+                  <a:srgbClr val="FFFFFF"/>
+                </a:solidFill>
+                <a:latin typeface="OpenSymbol"/>
+              </a:rPr>
+              <a:t> me </a:t>
+            </a:r>
+            <a:r>
+              <a:rPr lang="en-US" sz="1600" dirty="0" err="1">
+                <a:solidFill>
+                  <a:srgbClr val="FFFFFF"/>
+                </a:solidFill>
+                <a:latin typeface="OpenSymbol"/>
+              </a:rPr>
+              <a:t>identificando</a:t>
+            </a:r>
+            <a:r>
+              <a:rPr lang="en-US" sz="1600" dirty="0">
+                <a:solidFill>
+                  <a:srgbClr val="FFFFFF"/>
+                </a:solidFill>
+                <a:latin typeface="OpenSymbol"/>
+              </a:rPr>
+              <a:t> com a </a:t>
+            </a:r>
+            <a:r>
+              <a:rPr lang="en-US" sz="1600" dirty="0" err="1">
+                <a:solidFill>
+                  <a:srgbClr val="FFFFFF"/>
+                </a:solidFill>
+                <a:latin typeface="OpenSymbol"/>
+              </a:rPr>
+              <a:t>evolução</a:t>
+            </a:r>
+            <a:r>
+              <a:rPr lang="en-US" sz="1600" dirty="0">
+                <a:solidFill>
+                  <a:srgbClr val="FFFFFF"/>
+                </a:solidFill>
+                <a:latin typeface="OpenSymbol"/>
+              </a:rPr>
+              <a:t> do </a:t>
+            </a:r>
+            <a:r>
+              <a:rPr lang="en-US" sz="1600" dirty="0" err="1">
+                <a:solidFill>
+                  <a:srgbClr val="FFFFFF"/>
+                </a:solidFill>
+                <a:latin typeface="OpenSymbol"/>
+              </a:rPr>
+              <a:t>filme</a:t>
+            </a:r>
+            <a:r>
+              <a:rPr lang="en-US" sz="1600" dirty="0">
                 <a:solidFill>
                   <a:srgbClr val="FFFFFF"/>
                 </a:solidFill>
@@ -9524,557 +9924,6 @@
               </a:rPr>
               <a:t>.</a:t>
             </a:r>
-          </a:p>
-          <a:p>
-            <a:pPr indent="0">
-              <a:lnSpc>
-                <a:spcPct val="150000"/>
-              </a:lnSpc>
-              <a:buNone/>
-              <a:tabLst>
-                <a:tab pos="0" algn="l"/>
-              </a:tabLst>
-            </a:pPr>
-            <a:endParaRPr lang="en-US" sz="1400" b="0" u="none" strike="noStrike" dirty="0">
-              <a:solidFill>
-                <a:srgbClr val="FFFFFF"/>
-              </a:solidFill>
-              <a:effectLst/>
-              <a:uFillTx/>
-              <a:latin typeface="OpenSymbol"/>
-            </a:endParaRPr>
-          </a:p>
-          <a:p>
-            <a:pPr indent="0">
-              <a:lnSpc>
-                <a:spcPct val="150000"/>
-              </a:lnSpc>
-              <a:buNone/>
-              <a:tabLst>
-                <a:tab pos="0" algn="l"/>
-              </a:tabLst>
-            </a:pPr>
-            <a:r>
-              <a:rPr lang="en-US" sz="1400" dirty="0">
-                <a:solidFill>
-                  <a:srgbClr val="FFFFFF"/>
-                </a:solidFill>
-                <a:latin typeface="OpenSymbol"/>
-              </a:rPr>
-              <a:t>Em </a:t>
-            </a:r>
-            <a:r>
-              <a:rPr lang="en-US" sz="1400" dirty="0" err="1">
-                <a:solidFill>
-                  <a:srgbClr val="FFFFFF"/>
-                </a:solidFill>
-                <a:latin typeface="OpenSymbol"/>
-              </a:rPr>
-              <a:t>contrapartida</a:t>
-            </a:r>
-            <a:r>
-              <a:rPr lang="en-US" sz="1400" dirty="0">
-                <a:solidFill>
-                  <a:srgbClr val="FFFFFF"/>
-                </a:solidFill>
-                <a:latin typeface="OpenSymbol"/>
-              </a:rPr>
-              <a:t>, o tempo me </a:t>
-            </a:r>
-            <a:r>
-              <a:rPr lang="en-US" sz="1400" dirty="0" err="1">
-                <a:solidFill>
-                  <a:srgbClr val="FFFFFF"/>
-                </a:solidFill>
-                <a:latin typeface="OpenSymbol"/>
-              </a:rPr>
-              <a:t>mostrou</a:t>
-            </a:r>
-            <a:r>
-              <a:rPr lang="en-US" sz="1400" dirty="0">
-                <a:solidFill>
-                  <a:srgbClr val="FFFFFF"/>
-                </a:solidFill>
-                <a:latin typeface="OpenSymbol"/>
-              </a:rPr>
-              <a:t> </a:t>
-            </a:r>
-            <a:r>
-              <a:rPr lang="en-US" sz="1400" dirty="0" err="1">
-                <a:solidFill>
-                  <a:srgbClr val="FFFFFF"/>
-                </a:solidFill>
-                <a:latin typeface="OpenSymbol"/>
-              </a:rPr>
-              <a:t>totalmente</a:t>
-            </a:r>
-            <a:r>
-              <a:rPr lang="en-US" sz="1400" dirty="0">
-                <a:solidFill>
-                  <a:srgbClr val="FFFFFF"/>
-                </a:solidFill>
-                <a:latin typeface="OpenSymbol"/>
-              </a:rPr>
-              <a:t> o </a:t>
-            </a:r>
-            <a:r>
-              <a:rPr lang="en-US" sz="1400" dirty="0" err="1">
-                <a:solidFill>
-                  <a:srgbClr val="FFFFFF"/>
-                </a:solidFill>
-                <a:latin typeface="OpenSymbol"/>
-              </a:rPr>
-              <a:t>contrário</a:t>
-            </a:r>
-            <a:r>
-              <a:rPr lang="en-US" sz="1400" dirty="0">
-                <a:solidFill>
-                  <a:srgbClr val="FFFFFF"/>
-                </a:solidFill>
-                <a:latin typeface="OpenSymbol"/>
-              </a:rPr>
-              <a:t>, </a:t>
-            </a:r>
-            <a:r>
-              <a:rPr lang="en-US" sz="1400" dirty="0" err="1">
-                <a:solidFill>
-                  <a:srgbClr val="FFFFFF"/>
-                </a:solidFill>
-                <a:latin typeface="OpenSymbol"/>
-              </a:rPr>
-              <a:t>entender</a:t>
-            </a:r>
-            <a:r>
-              <a:rPr lang="en-US" sz="1400" dirty="0">
-                <a:solidFill>
-                  <a:srgbClr val="FFFFFF"/>
-                </a:solidFill>
-                <a:latin typeface="OpenSymbol"/>
-              </a:rPr>
-              <a:t> </a:t>
-            </a:r>
-            <a:r>
-              <a:rPr lang="en-US" sz="1400" dirty="0" err="1">
-                <a:solidFill>
-                  <a:srgbClr val="FFFFFF"/>
-                </a:solidFill>
-                <a:latin typeface="OpenSymbol"/>
-              </a:rPr>
-              <a:t>que</a:t>
-            </a:r>
-            <a:r>
-              <a:rPr lang="en-US" sz="1400" dirty="0">
-                <a:solidFill>
-                  <a:srgbClr val="FFFFFF"/>
-                </a:solidFill>
-                <a:latin typeface="OpenSymbol"/>
-              </a:rPr>
-              <a:t> o meu </a:t>
-            </a:r>
-            <a:r>
-              <a:rPr lang="en-US" sz="1400" dirty="0" err="1">
-                <a:solidFill>
-                  <a:srgbClr val="FFFFFF"/>
-                </a:solidFill>
-                <a:latin typeface="OpenSymbol"/>
-              </a:rPr>
-              <a:t>projeto</a:t>
-            </a:r>
-            <a:r>
-              <a:rPr lang="en-US" sz="1400" dirty="0">
-                <a:solidFill>
-                  <a:srgbClr val="FFFFFF"/>
-                </a:solidFill>
-                <a:latin typeface="OpenSymbol"/>
-              </a:rPr>
-              <a:t> </a:t>
-            </a:r>
-            <a:r>
-              <a:rPr lang="en-US" sz="1400" dirty="0" err="1">
-                <a:solidFill>
-                  <a:srgbClr val="FFFFFF"/>
-                </a:solidFill>
-                <a:latin typeface="OpenSymbol"/>
-              </a:rPr>
-              <a:t>tinha</a:t>
-            </a:r>
-            <a:r>
-              <a:rPr lang="en-US" sz="1400" dirty="0">
-                <a:solidFill>
-                  <a:srgbClr val="FFFFFF"/>
-                </a:solidFill>
-                <a:latin typeface="OpenSymbol"/>
-              </a:rPr>
-              <a:t> o meu </a:t>
-            </a:r>
-            <a:r>
-              <a:rPr lang="en-US" sz="1400" dirty="0" err="1">
-                <a:solidFill>
-                  <a:srgbClr val="FFFFFF"/>
-                </a:solidFill>
-                <a:latin typeface="OpenSymbol"/>
-              </a:rPr>
-              <a:t>esforço</a:t>
-            </a:r>
-            <a:r>
-              <a:rPr lang="en-US" sz="1400" dirty="0">
-                <a:solidFill>
-                  <a:srgbClr val="FFFFFF"/>
-                </a:solidFill>
-                <a:latin typeface="OpenSymbol"/>
-              </a:rPr>
-              <a:t> </a:t>
-            </a:r>
-            <a:r>
-              <a:rPr lang="en-US" sz="1400" dirty="0" err="1">
-                <a:solidFill>
-                  <a:srgbClr val="FFFFFF"/>
-                </a:solidFill>
-                <a:latin typeface="OpenSymbol"/>
-              </a:rPr>
-              <a:t>fazia</a:t>
-            </a:r>
-            <a:r>
-              <a:rPr lang="en-US" sz="1400" dirty="0">
-                <a:solidFill>
-                  <a:srgbClr val="FFFFFF"/>
-                </a:solidFill>
-                <a:latin typeface="OpenSymbol"/>
-              </a:rPr>
-              <a:t> </a:t>
-            </a:r>
-            <a:r>
-              <a:rPr lang="en-US" sz="1400" dirty="0" err="1">
-                <a:solidFill>
-                  <a:srgbClr val="FFFFFF"/>
-                </a:solidFill>
-                <a:latin typeface="OpenSymbol"/>
-              </a:rPr>
-              <a:t>valer</a:t>
-            </a:r>
-            <a:r>
-              <a:rPr lang="en-US" sz="1400" dirty="0">
-                <a:solidFill>
-                  <a:srgbClr val="FFFFFF"/>
-                </a:solidFill>
-                <a:latin typeface="OpenSymbol"/>
-              </a:rPr>
-              <a:t> </a:t>
-            </a:r>
-            <a:r>
-              <a:rPr lang="en-US" sz="1400" dirty="0" err="1">
-                <a:solidFill>
-                  <a:srgbClr val="FFFFFF"/>
-                </a:solidFill>
-                <a:latin typeface="OpenSymbol"/>
-              </a:rPr>
-              <a:t>cada</a:t>
-            </a:r>
-            <a:r>
-              <a:rPr lang="en-US" sz="1400" dirty="0">
-                <a:solidFill>
-                  <a:srgbClr val="FFFFFF"/>
-                </a:solidFill>
-                <a:latin typeface="OpenSymbol"/>
-              </a:rPr>
-              <a:t> </a:t>
-            </a:r>
-            <a:r>
-              <a:rPr lang="en-US" sz="1400" dirty="0" err="1">
-                <a:solidFill>
-                  <a:srgbClr val="FFFFFF"/>
-                </a:solidFill>
-                <a:latin typeface="OpenSymbol"/>
-              </a:rPr>
-              <a:t>segundo</a:t>
-            </a:r>
-            <a:r>
-              <a:rPr lang="en-US" sz="1400" dirty="0">
-                <a:solidFill>
-                  <a:srgbClr val="FFFFFF"/>
-                </a:solidFill>
-                <a:latin typeface="OpenSymbol"/>
-              </a:rPr>
-              <a:t> </a:t>
-            </a:r>
-            <a:r>
-              <a:rPr lang="en-US" sz="1400" dirty="0" err="1">
-                <a:solidFill>
-                  <a:srgbClr val="FFFFFF"/>
-                </a:solidFill>
-                <a:latin typeface="OpenSymbol"/>
-              </a:rPr>
-              <a:t>dedicado</a:t>
-            </a:r>
-            <a:r>
-              <a:rPr lang="en-US" sz="1400" dirty="0">
-                <a:solidFill>
-                  <a:srgbClr val="FFFFFF"/>
-                </a:solidFill>
-                <a:latin typeface="OpenSymbol"/>
-              </a:rPr>
-              <a:t>, </a:t>
-            </a:r>
-            <a:r>
-              <a:rPr lang="en-US" sz="1400" dirty="0" err="1">
-                <a:solidFill>
-                  <a:srgbClr val="FFFFFF"/>
-                </a:solidFill>
-                <a:latin typeface="OpenSymbol"/>
-              </a:rPr>
-              <a:t>conseguir</a:t>
-            </a:r>
-            <a:r>
-              <a:rPr lang="en-US" sz="1400" dirty="0">
-                <a:solidFill>
-                  <a:srgbClr val="FFFFFF"/>
-                </a:solidFill>
-                <a:latin typeface="OpenSymbol"/>
-              </a:rPr>
-              <a:t> </a:t>
-            </a:r>
-            <a:r>
-              <a:rPr lang="en-US" sz="1400" dirty="0" err="1">
-                <a:solidFill>
-                  <a:srgbClr val="FFFFFF"/>
-                </a:solidFill>
-                <a:latin typeface="OpenSymbol"/>
-              </a:rPr>
-              <a:t>analisar</a:t>
-            </a:r>
-            <a:r>
-              <a:rPr lang="en-US" sz="1400" dirty="0">
-                <a:solidFill>
-                  <a:srgbClr val="FFFFFF"/>
-                </a:solidFill>
-                <a:latin typeface="OpenSymbol"/>
-              </a:rPr>
-              <a:t> </a:t>
-            </a:r>
-            <a:r>
-              <a:rPr lang="en-US" sz="1400" dirty="0" err="1">
-                <a:solidFill>
-                  <a:srgbClr val="FFFFFF"/>
-                </a:solidFill>
-                <a:latin typeface="OpenSymbol"/>
-              </a:rPr>
-              <a:t>minha</a:t>
-            </a:r>
-            <a:r>
-              <a:rPr lang="en-US" sz="1400" dirty="0">
-                <a:solidFill>
-                  <a:srgbClr val="FFFFFF"/>
-                </a:solidFill>
-                <a:latin typeface="OpenSymbol"/>
-              </a:rPr>
-              <a:t> </a:t>
-            </a:r>
-            <a:r>
-              <a:rPr lang="en-US" sz="1400" dirty="0" err="1">
-                <a:solidFill>
-                  <a:srgbClr val="FFFFFF"/>
-                </a:solidFill>
-                <a:latin typeface="OpenSymbol"/>
-              </a:rPr>
-              <a:t>progressão</a:t>
-            </a:r>
-            <a:r>
-              <a:rPr lang="en-US" sz="1400" dirty="0">
-                <a:solidFill>
-                  <a:srgbClr val="FFFFFF"/>
-                </a:solidFill>
-                <a:latin typeface="OpenSymbol"/>
-              </a:rPr>
-              <a:t> e </a:t>
-            </a:r>
-            <a:r>
-              <a:rPr lang="en-US" sz="1400" dirty="0" err="1">
-                <a:solidFill>
-                  <a:srgbClr val="FFFFFF"/>
-                </a:solidFill>
-                <a:latin typeface="OpenSymbol"/>
-              </a:rPr>
-              <a:t>entender</a:t>
-            </a:r>
-            <a:r>
-              <a:rPr lang="en-US" sz="1400" dirty="0">
-                <a:solidFill>
-                  <a:srgbClr val="FFFFFF"/>
-                </a:solidFill>
-                <a:latin typeface="OpenSymbol"/>
-              </a:rPr>
-              <a:t> </a:t>
-            </a:r>
-            <a:r>
-              <a:rPr lang="en-US" sz="1400" dirty="0" err="1">
-                <a:solidFill>
-                  <a:srgbClr val="FFFFFF"/>
-                </a:solidFill>
-                <a:latin typeface="OpenSymbol"/>
-              </a:rPr>
-              <a:t>que</a:t>
-            </a:r>
-            <a:r>
-              <a:rPr lang="en-US" sz="1400" dirty="0">
-                <a:solidFill>
-                  <a:srgbClr val="FFFFFF"/>
-                </a:solidFill>
-                <a:latin typeface="OpenSymbol"/>
-              </a:rPr>
-              <a:t> </a:t>
-            </a:r>
-            <a:r>
-              <a:rPr lang="en-US" sz="1400" dirty="0" err="1">
-                <a:solidFill>
-                  <a:srgbClr val="FFFFFF"/>
-                </a:solidFill>
-                <a:latin typeface="OpenSymbol"/>
-              </a:rPr>
-              <a:t>eu</a:t>
-            </a:r>
-            <a:r>
-              <a:rPr lang="en-US" sz="1400" dirty="0">
-                <a:solidFill>
-                  <a:srgbClr val="FFFFFF"/>
-                </a:solidFill>
-                <a:latin typeface="OpenSymbol"/>
-              </a:rPr>
-              <a:t> </a:t>
-            </a:r>
-            <a:r>
-              <a:rPr lang="en-US" sz="1400" dirty="0" err="1">
-                <a:solidFill>
-                  <a:srgbClr val="FFFFFF"/>
-                </a:solidFill>
-                <a:latin typeface="OpenSymbol"/>
-              </a:rPr>
-              <a:t>não</a:t>
-            </a:r>
-            <a:r>
-              <a:rPr lang="en-US" sz="1400" dirty="0">
-                <a:solidFill>
-                  <a:srgbClr val="FFFFFF"/>
-                </a:solidFill>
-                <a:latin typeface="OpenSymbol"/>
-              </a:rPr>
-              <a:t> </a:t>
-            </a:r>
-            <a:r>
-              <a:rPr lang="en-US" sz="1400" dirty="0" err="1">
-                <a:solidFill>
-                  <a:srgbClr val="FFFFFF"/>
-                </a:solidFill>
-                <a:latin typeface="OpenSymbol"/>
-              </a:rPr>
-              <a:t>tinha</a:t>
-            </a:r>
-            <a:r>
-              <a:rPr lang="en-US" sz="1400" dirty="0">
-                <a:solidFill>
-                  <a:srgbClr val="FFFFFF"/>
-                </a:solidFill>
-                <a:latin typeface="OpenSymbol"/>
-              </a:rPr>
-              <a:t> o </a:t>
-            </a:r>
-            <a:r>
-              <a:rPr lang="en-US" sz="1400" dirty="0" err="1">
-                <a:solidFill>
-                  <a:srgbClr val="FFFFFF"/>
-                </a:solidFill>
-                <a:latin typeface="OpenSymbol"/>
-              </a:rPr>
-              <a:t>porquê</a:t>
-            </a:r>
-            <a:r>
-              <a:rPr lang="en-US" sz="1400" dirty="0">
-                <a:solidFill>
-                  <a:srgbClr val="FFFFFF"/>
-                </a:solidFill>
-                <a:latin typeface="OpenSymbol"/>
-              </a:rPr>
-              <a:t> me comparer </a:t>
-            </a:r>
-            <a:r>
-              <a:rPr lang="en-US" sz="1400" dirty="0" err="1">
-                <a:solidFill>
-                  <a:srgbClr val="FFFFFF"/>
-                </a:solidFill>
-                <a:latin typeface="OpenSymbol"/>
-              </a:rPr>
-              <a:t>foi</a:t>
-            </a:r>
-            <a:r>
-              <a:rPr lang="en-US" sz="1400" dirty="0">
-                <a:solidFill>
-                  <a:srgbClr val="FFFFFF"/>
-                </a:solidFill>
-                <a:latin typeface="OpenSymbol"/>
-              </a:rPr>
-              <a:t> </a:t>
-            </a:r>
-            <a:r>
-              <a:rPr lang="en-US" sz="1400" dirty="0" err="1">
-                <a:solidFill>
-                  <a:srgbClr val="FFFFFF"/>
-                </a:solidFill>
-                <a:latin typeface="OpenSymbol"/>
-              </a:rPr>
-              <a:t>muito</a:t>
-            </a:r>
-            <a:r>
-              <a:rPr lang="en-US" sz="1600" dirty="0">
-                <a:solidFill>
-                  <a:srgbClr val="FFFFFF"/>
-                </a:solidFill>
-                <a:latin typeface="OpenSymbol"/>
-              </a:rPr>
-              <a:t> </a:t>
-            </a:r>
-            <a:r>
-              <a:rPr lang="en-US" sz="1600" dirty="0" err="1">
-                <a:solidFill>
-                  <a:srgbClr val="FFFFFF"/>
-                </a:solidFill>
-                <a:latin typeface="OpenSymbol"/>
-              </a:rPr>
-              <a:t>motivador</a:t>
-            </a:r>
-            <a:r>
-              <a:rPr lang="en-US" sz="1600" dirty="0">
-                <a:solidFill>
-                  <a:srgbClr val="FFFFFF"/>
-                </a:solidFill>
-                <a:latin typeface="OpenSymbol"/>
-              </a:rPr>
-              <a:t> para o meu </a:t>
-            </a:r>
-            <a:r>
-              <a:rPr lang="en-US" sz="1600" dirty="0" err="1">
-                <a:solidFill>
-                  <a:srgbClr val="FFFFFF"/>
-                </a:solidFill>
-                <a:latin typeface="OpenSymbol"/>
-              </a:rPr>
-              <a:t>projeto</a:t>
-            </a:r>
-            <a:r>
-              <a:rPr lang="en-US" sz="1600" dirty="0">
-                <a:solidFill>
-                  <a:srgbClr val="FFFFFF"/>
-                </a:solidFill>
-                <a:latin typeface="OpenSymbol"/>
-              </a:rPr>
-              <a:t>.</a:t>
-            </a:r>
-            <a:endParaRPr lang="en-US" sz="1600" b="0" u="none" strike="noStrike" dirty="0">
-              <a:solidFill>
-                <a:srgbClr val="FFFFFF"/>
-              </a:solidFill>
-              <a:effectLst/>
-              <a:uFillTx/>
-              <a:latin typeface="OpenSymbol"/>
-            </a:endParaRPr>
           </a:p>
         </p:txBody>
       </p:sp>
